--- a/figures/equity_schematic.pptx
+++ b/figures/equity_schematic.pptx
@@ -107,6 +107,11 @@
       </a:defRPr>
     </a:lvl9pPr>
   </p:defaultTextStyle>
+  <p:extLst>
+    <p:ext uri="{EFAFB233-063F-42B5-8137-9DF3F51BA10A}">
+      <p15:sldGuideLst xmlns:p15="http://schemas.microsoft.com/office/powerpoint/2012/main"/>
+    </p:ext>
+  </p:extLst>
 </p:presentation>
 </file>
 
@@ -192,7 +197,7 @@
           <a:p>
             <a:fld id="{DF0AC86C-8B30-C049-9C3A-800AF470ACB8}" type="datetimeFigureOut">
               <a:rPr lang="en-US" smtClean="0"/>
-              <a:t>7/3/24</a:t>
+              <a:t>9/5/24</a:t>
             </a:fld>
             <a:endParaRPr lang="en-US"/>
           </a:p>
@@ -696,7 +701,7 @@
           <a:p>
             <a:fld id="{31D2A841-D7B4-0846-AE94-DB0DDDC976B9}" type="datetimeFigureOut">
               <a:rPr lang="en-US" smtClean="0"/>
-              <a:t>7/3/24</a:t>
+              <a:t>9/5/24</a:t>
             </a:fld>
             <a:endParaRPr lang="en-US"/>
           </a:p>
@@ -894,7 +899,7 @@
           <a:p>
             <a:fld id="{31D2A841-D7B4-0846-AE94-DB0DDDC976B9}" type="datetimeFigureOut">
               <a:rPr lang="en-US" smtClean="0"/>
-              <a:t>7/3/24</a:t>
+              <a:t>9/5/24</a:t>
             </a:fld>
             <a:endParaRPr lang="en-US"/>
           </a:p>
@@ -1102,7 +1107,7 @@
           <a:p>
             <a:fld id="{31D2A841-D7B4-0846-AE94-DB0DDDC976B9}" type="datetimeFigureOut">
               <a:rPr lang="en-US" smtClean="0"/>
-              <a:t>7/3/24</a:t>
+              <a:t>9/5/24</a:t>
             </a:fld>
             <a:endParaRPr lang="en-US"/>
           </a:p>
@@ -1300,7 +1305,7 @@
           <a:p>
             <a:fld id="{31D2A841-D7B4-0846-AE94-DB0DDDC976B9}" type="datetimeFigureOut">
               <a:rPr lang="en-US" smtClean="0"/>
-              <a:t>7/3/24</a:t>
+              <a:t>9/5/24</a:t>
             </a:fld>
             <a:endParaRPr lang="en-US"/>
           </a:p>
@@ -1575,7 +1580,7 @@
           <a:p>
             <a:fld id="{31D2A841-D7B4-0846-AE94-DB0DDDC976B9}" type="datetimeFigureOut">
               <a:rPr lang="en-US" smtClean="0"/>
-              <a:t>7/3/24</a:t>
+              <a:t>9/5/24</a:t>
             </a:fld>
             <a:endParaRPr lang="en-US"/>
           </a:p>
@@ -1840,7 +1845,7 @@
           <a:p>
             <a:fld id="{31D2A841-D7B4-0846-AE94-DB0DDDC976B9}" type="datetimeFigureOut">
               <a:rPr lang="en-US" smtClean="0"/>
-              <a:t>7/3/24</a:t>
+              <a:t>9/5/24</a:t>
             </a:fld>
             <a:endParaRPr lang="en-US"/>
           </a:p>
@@ -2252,7 +2257,7 @@
           <a:p>
             <a:fld id="{31D2A841-D7B4-0846-AE94-DB0DDDC976B9}" type="datetimeFigureOut">
               <a:rPr lang="en-US" smtClean="0"/>
-              <a:t>7/3/24</a:t>
+              <a:t>9/5/24</a:t>
             </a:fld>
             <a:endParaRPr lang="en-US"/>
           </a:p>
@@ -2393,7 +2398,7 @@
           <a:p>
             <a:fld id="{31D2A841-D7B4-0846-AE94-DB0DDDC976B9}" type="datetimeFigureOut">
               <a:rPr lang="en-US" smtClean="0"/>
-              <a:t>7/3/24</a:t>
+              <a:t>9/5/24</a:t>
             </a:fld>
             <a:endParaRPr lang="en-US"/>
           </a:p>
@@ -2506,7 +2511,7 @@
           <a:p>
             <a:fld id="{31D2A841-D7B4-0846-AE94-DB0DDDC976B9}" type="datetimeFigureOut">
               <a:rPr lang="en-US" smtClean="0"/>
-              <a:t>7/3/24</a:t>
+              <a:t>9/5/24</a:t>
             </a:fld>
             <a:endParaRPr lang="en-US"/>
           </a:p>
@@ -2817,7 +2822,7 @@
           <a:p>
             <a:fld id="{31D2A841-D7B4-0846-AE94-DB0DDDC976B9}" type="datetimeFigureOut">
               <a:rPr lang="en-US" smtClean="0"/>
-              <a:t>7/3/24</a:t>
+              <a:t>9/5/24</a:t>
             </a:fld>
             <a:endParaRPr lang="en-US"/>
           </a:p>
@@ -3105,7 +3110,7 @@
           <a:p>
             <a:fld id="{31D2A841-D7B4-0846-AE94-DB0DDDC976B9}" type="datetimeFigureOut">
               <a:rPr lang="en-US" smtClean="0"/>
-              <a:t>7/3/24</a:t>
+              <a:t>9/5/24</a:t>
             </a:fld>
             <a:endParaRPr lang="en-US"/>
           </a:p>
@@ -3346,7 +3351,7 @@
           <a:p>
             <a:fld id="{31D2A841-D7B4-0846-AE94-DB0DDDC976B9}" type="datetimeFigureOut">
               <a:rPr lang="en-US" smtClean="0"/>
-              <a:t>7/3/24</a:t>
+              <a:t>9/5/24</a:t>
             </a:fld>
             <a:endParaRPr lang="en-US"/>
           </a:p>
